--- a/swiftER 발표보고서.pptx
+++ b/swiftER 발표보고서.pptx
@@ -1880,7 +1880,7 @@
           <a:blip r:embed="rId2">
             <a:extLst>
               <a:ext uri="{96DAC541-7B7A-43D3-8B79-37D633B846F1}">
-                <asvg:svgBlip xmlns:asvg="http://schemas.microsoft.com/office/drawing/2016/SVG/main" xmlns="" r:embed="rId3"/>
+                <asvg:svgBlip xmlns="" xmlns:asvg="http://schemas.microsoft.com/office/drawing/2016/SVG/main" r:embed="rId3"/>
               </a:ext>
             </a:extLst>
           </a:blip>
@@ -1990,7 +1990,7 @@
                 <a16:creationId xmlns:a16="http://schemas.microsoft.com/office/drawing/2014/main" id="{B38B0D13-BD5F-460B-B337-F4A9342026D0}"/>
               </a:ext>
               <a:ext uri="{C183D7F6-B498-43B3-948B-1728B52AA6E4}">
-                <adec:decorative xmlns:adec="http://schemas.microsoft.com/office/drawing/2017/decorative" xmlns="" val="1"/>
+                <adec:decorative xmlns="" xmlns:adec="http://schemas.microsoft.com/office/drawing/2017/decorative" val="1"/>
               </a:ext>
             </a:extLst>
           </p:cNvPr>
@@ -2003,7 +2003,7 @@
           <a:blip r:embed="rId2">
             <a:extLst>
               <a:ext uri="{96DAC541-7B7A-43D3-8B79-37D633B846F1}">
-                <asvg:svgBlip xmlns:asvg="http://schemas.microsoft.com/office/drawing/2016/SVG/main" xmlns="" r:embed="rId3"/>
+                <asvg:svgBlip xmlns="" xmlns:asvg="http://schemas.microsoft.com/office/drawing/2016/SVG/main" r:embed="rId3"/>
               </a:ext>
             </a:extLst>
           </a:blip>
@@ -2029,7 +2029,7 @@
                 <a16:creationId xmlns:a16="http://schemas.microsoft.com/office/drawing/2014/main" id="{BE72876B-D3DA-4462-9E24-3354D8D02A27}"/>
               </a:ext>
               <a:ext uri="{C183D7F6-B498-43B3-948B-1728B52AA6E4}">
-                <adec:decorative xmlns:adec="http://schemas.microsoft.com/office/drawing/2017/decorative" xmlns="" val="1"/>
+                <adec:decorative xmlns="" xmlns:adec="http://schemas.microsoft.com/office/drawing/2017/decorative" val="1"/>
               </a:ext>
             </a:extLst>
           </p:cNvPr>
@@ -2042,7 +2042,7 @@
           <a:blip r:embed="rId4">
             <a:extLst>
               <a:ext uri="{96DAC541-7B7A-43D3-8B79-37D633B846F1}">
-                <asvg:svgBlip xmlns:asvg="http://schemas.microsoft.com/office/drawing/2016/SVG/main" xmlns="" r:embed="rId5"/>
+                <asvg:svgBlip xmlns="" xmlns:asvg="http://schemas.microsoft.com/office/drawing/2016/SVG/main" r:embed="rId5"/>
               </a:ext>
             </a:extLst>
           </a:blip>
@@ -2068,7 +2068,7 @@
                 <a16:creationId xmlns:a16="http://schemas.microsoft.com/office/drawing/2014/main" id="{14A539B6-6E3F-41BA-ACE2-76E8BB651636}"/>
               </a:ext>
               <a:ext uri="{C183D7F6-B498-43B3-948B-1728B52AA6E4}">
-                <adec:decorative xmlns:adec="http://schemas.microsoft.com/office/drawing/2017/decorative" xmlns="" val="1"/>
+                <adec:decorative xmlns="" xmlns:adec="http://schemas.microsoft.com/office/drawing/2017/decorative" val="1"/>
               </a:ext>
             </a:extLst>
           </p:cNvPr>
@@ -2081,7 +2081,7 @@
           <a:blip r:embed="rId6">
             <a:extLst>
               <a:ext uri="{96DAC541-7B7A-43D3-8B79-37D633B846F1}">
-                <asvg:svgBlip xmlns:asvg="http://schemas.microsoft.com/office/drawing/2016/SVG/main" xmlns="" r:embed="rId7"/>
+                <asvg:svgBlip xmlns="" xmlns:asvg="http://schemas.microsoft.com/office/drawing/2016/SVG/main" r:embed="rId7"/>
               </a:ext>
             </a:extLst>
           </a:blip>
@@ -3695,7 +3695,7 @@
           <a:blip r:embed="rId2">
             <a:extLst>
               <a:ext uri="{96DAC541-7B7A-43D3-8B79-37D633B846F1}">
-                <asvg:svgBlip xmlns:asvg="http://schemas.microsoft.com/office/drawing/2016/SVG/main" xmlns="" r:embed="rId3"/>
+                <asvg:svgBlip xmlns="" xmlns:asvg="http://schemas.microsoft.com/office/drawing/2016/SVG/main" r:embed="rId3"/>
               </a:ext>
             </a:extLst>
           </a:blip>
@@ -3750,7 +3750,7 @@
                 <a16:creationId xmlns:a16="http://schemas.microsoft.com/office/drawing/2014/main" id="{AE202E03-5C65-4305-B969-65220AD41002}"/>
               </a:ext>
               <a:ext uri="{C183D7F6-B498-43B3-948B-1728B52AA6E4}">
-                <adec:decorative xmlns:adec="http://schemas.microsoft.com/office/drawing/2017/decorative" xmlns="" val="1"/>
+                <adec:decorative xmlns="" xmlns:adec="http://schemas.microsoft.com/office/drawing/2017/decorative" val="1"/>
               </a:ext>
             </a:extLst>
           </p:cNvPr>
@@ -3763,7 +3763,7 @@
           <a:blip r:embed="rId2">
             <a:extLst>
               <a:ext uri="{96DAC541-7B7A-43D3-8B79-37D633B846F1}">
-                <asvg:svgBlip xmlns:asvg="http://schemas.microsoft.com/office/drawing/2016/SVG/main" xmlns="" r:embed="rId3"/>
+                <asvg:svgBlip xmlns="" xmlns:asvg="http://schemas.microsoft.com/office/drawing/2016/SVG/main" r:embed="rId3"/>
               </a:ext>
             </a:extLst>
           </a:blip>
@@ -4861,7 +4861,7 @@
                 <a16:creationId xmlns:a16="http://schemas.microsoft.com/office/drawing/2014/main" id="{7D46070C-E825-43D0-99F4-8B4614131131}"/>
               </a:ext>
               <a:ext uri="{C183D7F6-B498-43B3-948B-1728B52AA6E4}">
-                <adec:decorative xmlns:adec="http://schemas.microsoft.com/office/drawing/2017/decorative" xmlns="" val="1"/>
+                <adec:decorative xmlns="" xmlns:adec="http://schemas.microsoft.com/office/drawing/2017/decorative" val="1"/>
               </a:ext>
             </a:extLst>
           </p:cNvPr>
@@ -6206,7 +6206,7 @@
                 <a16:creationId xmlns:a16="http://schemas.microsoft.com/office/drawing/2014/main" id="{FFA35437-CCDE-4D92-B879-F23B329C8EC3}"/>
               </a:ext>
               <a:ext uri="{C183D7F6-B498-43B3-948B-1728B52AA6E4}">
-                <adec:decorative xmlns:adec="http://schemas.microsoft.com/office/drawing/2017/decorative" xmlns="" val="1"/>
+                <adec:decorative xmlns="" xmlns:adec="http://schemas.microsoft.com/office/drawing/2017/decorative" val="1"/>
               </a:ext>
             </a:extLst>
           </p:cNvPr>
@@ -6623,7 +6623,7 @@
                 <a16:creationId xmlns:a16="http://schemas.microsoft.com/office/drawing/2014/main" id="{66988B2D-0240-4256-8268-4B9FF1E72363}"/>
               </a:ext>
               <a:ext uri="{C183D7F6-B498-43B3-948B-1728B52AA6E4}">
-                <adec:decorative xmlns:adec="http://schemas.microsoft.com/office/drawing/2017/decorative" xmlns="" val="1"/>
+                <adec:decorative xmlns="" xmlns:adec="http://schemas.microsoft.com/office/drawing/2017/decorative" val="1"/>
               </a:ext>
             </a:extLst>
           </p:cNvPr>
@@ -6669,7 +6669,7 @@
                 <a16:creationId xmlns:a16="http://schemas.microsoft.com/office/drawing/2014/main" id="{D8EEAAE1-3D04-41C3-B2D2-B3BEF34C3B27}"/>
               </a:ext>
               <a:ext uri="{C183D7F6-B498-43B3-948B-1728B52AA6E4}">
-                <adec:decorative xmlns:adec="http://schemas.microsoft.com/office/drawing/2017/decorative" xmlns="" val="1"/>
+                <adec:decorative xmlns="" xmlns:adec="http://schemas.microsoft.com/office/drawing/2017/decorative" val="1"/>
               </a:ext>
             </a:extLst>
           </p:cNvPr>
@@ -7713,7 +7713,7 @@
                 <a16:creationId xmlns:a16="http://schemas.microsoft.com/office/drawing/2014/main" id="{4E4B72DA-52CB-4D39-A342-8857B4D959B2}"/>
               </a:ext>
               <a:ext uri="{C183D7F6-B498-43B3-948B-1728B52AA6E4}">
-                <adec:decorative xmlns:adec="http://schemas.microsoft.com/office/drawing/2017/decorative" xmlns="" val="1"/>
+                <adec:decorative xmlns="" xmlns:adec="http://schemas.microsoft.com/office/drawing/2017/decorative" val="1"/>
               </a:ext>
             </a:extLst>
           </p:cNvPr>
@@ -7757,7 +7757,7 @@
                 <a16:creationId xmlns:a16="http://schemas.microsoft.com/office/drawing/2014/main" id="{21D9BCDA-DFB7-41A4-A7C7-CEE86CEDCBE5}"/>
               </a:ext>
               <a:ext uri="{C183D7F6-B498-43B3-948B-1728B52AA6E4}">
-                <adec:decorative xmlns:adec="http://schemas.microsoft.com/office/drawing/2017/decorative" xmlns="" val="1"/>
+                <adec:decorative xmlns="" xmlns:adec="http://schemas.microsoft.com/office/drawing/2017/decorative" val="1"/>
               </a:ext>
             </a:extLst>
           </p:cNvPr>
@@ -9972,7 +9972,7 @@
                 <a16:creationId xmlns:a16="http://schemas.microsoft.com/office/drawing/2014/main" id="{B0DFD584-E5CF-41EF-B51E-679CE22DDF93}"/>
               </a:ext>
               <a:ext uri="{C183D7F6-B498-43B3-948B-1728B52AA6E4}">
-                <adec:decorative xmlns:adec="http://schemas.microsoft.com/office/drawing/2017/decorative" xmlns="" val="1"/>
+                <adec:decorative xmlns="" xmlns:adec="http://schemas.microsoft.com/office/drawing/2017/decorative" val="1"/>
               </a:ext>
             </a:extLst>
           </p:cNvPr>
@@ -9985,7 +9985,7 @@
           <a:blip r:embed="rId2">
             <a:extLst>
               <a:ext uri="{96DAC541-7B7A-43D3-8B79-37D633B846F1}">
-                <asvg:svgBlip xmlns:asvg="http://schemas.microsoft.com/office/drawing/2016/SVG/main" xmlns="" r:embed="rId3"/>
+                <asvg:svgBlip xmlns="" xmlns:asvg="http://schemas.microsoft.com/office/drawing/2016/SVG/main" r:embed="rId3"/>
               </a:ext>
             </a:extLst>
           </a:blip>
@@ -10011,7 +10011,7 @@
                 <a16:creationId xmlns:a16="http://schemas.microsoft.com/office/drawing/2014/main" id="{E5C02DDF-25A6-42C7-9525-F279CE2095C0}"/>
               </a:ext>
               <a:ext uri="{C183D7F6-B498-43B3-948B-1728B52AA6E4}">
-                <adec:decorative xmlns:adec="http://schemas.microsoft.com/office/drawing/2017/decorative" xmlns="" val="1"/>
+                <adec:decorative xmlns="" xmlns:adec="http://schemas.microsoft.com/office/drawing/2017/decorative" val="1"/>
               </a:ext>
             </a:extLst>
           </p:cNvPr>
@@ -10024,7 +10024,7 @@
           <a:blip r:embed="rId4">
             <a:extLst>
               <a:ext uri="{96DAC541-7B7A-43D3-8B79-37D633B846F1}">
-                <asvg:svgBlip xmlns:asvg="http://schemas.microsoft.com/office/drawing/2016/SVG/main" xmlns="" r:embed="rId5"/>
+                <asvg:svgBlip xmlns="" xmlns:asvg="http://schemas.microsoft.com/office/drawing/2016/SVG/main" r:embed="rId5"/>
               </a:ext>
             </a:extLst>
           </a:blip>
@@ -10088,7 +10088,7 @@
                 <a16:creationId xmlns:a16="http://schemas.microsoft.com/office/drawing/2014/main" id="{463D7850-C2A6-43CE-BBE4-8E81A0A593BF}"/>
               </a:ext>
               <a:ext uri="{C183D7F6-B498-43B3-948B-1728B52AA6E4}">
-                <adec:decorative xmlns:adec="http://schemas.microsoft.com/office/drawing/2017/decorative" xmlns="" val="1"/>
+                <adec:decorative xmlns="" xmlns:adec="http://schemas.microsoft.com/office/drawing/2017/decorative" val="1"/>
               </a:ext>
             </a:extLst>
           </p:cNvPr>
@@ -10134,7 +10134,7 @@
                 <a16:creationId xmlns:a16="http://schemas.microsoft.com/office/drawing/2014/main" id="{EBAD3E03-2E3B-440C-9105-6F9D33006D66}"/>
               </a:ext>
               <a:ext uri="{C183D7F6-B498-43B3-948B-1728B52AA6E4}">
-                <adec:decorative xmlns:adec="http://schemas.microsoft.com/office/drawing/2017/decorative" xmlns="" val="1"/>
+                <adec:decorative xmlns="" xmlns:adec="http://schemas.microsoft.com/office/drawing/2017/decorative" val="1"/>
               </a:ext>
             </a:extLst>
           </p:cNvPr>
@@ -12100,7 +12100,7 @@
           <a:blip r:embed="rId2">
             <a:extLst>
               <a:ext uri="{96DAC541-7B7A-43D3-8B79-37D633B846F1}">
-                <asvg:svgBlip xmlns:asvg="http://schemas.microsoft.com/office/drawing/2016/SVG/main" xmlns="" r:embed="rId3"/>
+                <asvg:svgBlip xmlns="" xmlns:asvg="http://schemas.microsoft.com/office/drawing/2016/SVG/main" r:embed="rId3"/>
               </a:ext>
             </a:extLst>
           </a:blip>
@@ -12633,7 +12633,7 @@
           <a:blip r:embed="rId2">
             <a:extLst>
               <a:ext uri="{96DAC541-7B7A-43D3-8B79-37D633B846F1}">
-                <asvg:svgBlip xmlns:asvg="http://schemas.microsoft.com/office/drawing/2016/SVG/main" xmlns="" r:embed="rId3"/>
+                <asvg:svgBlip xmlns="" xmlns:asvg="http://schemas.microsoft.com/office/drawing/2016/SVG/main" r:embed="rId3"/>
               </a:ext>
             </a:extLst>
           </a:blip>
@@ -12826,7 +12826,7 @@
                 <a16:creationId xmlns:a16="http://schemas.microsoft.com/office/drawing/2014/main" id="{9D2AF524-D4B4-4A3A-9CE4-EDAFE1D5A37B}"/>
               </a:ext>
               <a:ext uri="{C183D7F6-B498-43B3-948B-1728B52AA6E4}">
-                <adec:decorative xmlns:adec="http://schemas.microsoft.com/office/drawing/2017/decorative" xmlns="" val="1"/>
+                <adec:decorative xmlns="" xmlns:adec="http://schemas.microsoft.com/office/drawing/2017/decorative" val="1"/>
               </a:ext>
             </a:extLst>
           </p:cNvPr>
@@ -13360,7 +13360,7 @@
                 <a16:creationId xmlns:a16="http://schemas.microsoft.com/office/drawing/2014/main" id="{D3795F91-C721-4363-956D-756673AE7957}"/>
               </a:ext>
               <a:ext uri="{C183D7F6-B498-43B3-948B-1728B52AA6E4}">
-                <adec:decorative xmlns:adec="http://schemas.microsoft.com/office/drawing/2017/decorative" xmlns="" val="1"/>
+                <adec:decorative xmlns="" xmlns:adec="http://schemas.microsoft.com/office/drawing/2017/decorative" val="1"/>
               </a:ext>
             </a:extLst>
           </p:cNvPr>
@@ -13406,7 +13406,7 @@
                 <a16:creationId xmlns:a16="http://schemas.microsoft.com/office/drawing/2014/main" id="{8AC14461-E27D-413D-B31A-47B74646AF25}"/>
               </a:ext>
               <a:ext uri="{C183D7F6-B498-43B3-948B-1728B52AA6E4}">
-                <adec:decorative xmlns:adec="http://schemas.microsoft.com/office/drawing/2017/decorative" xmlns="" val="1"/>
+                <adec:decorative xmlns="" xmlns:adec="http://schemas.microsoft.com/office/drawing/2017/decorative" val="1"/>
               </a:ext>
             </a:extLst>
           </p:cNvPr>
@@ -13452,7 +13452,7 @@
                 <a16:creationId xmlns:a16="http://schemas.microsoft.com/office/drawing/2014/main" id="{4D6AEA4C-7710-4829-BA87-8DD77F15932C}"/>
               </a:ext>
               <a:ext uri="{C183D7F6-B498-43B3-948B-1728B52AA6E4}">
-                <adec:decorative xmlns:adec="http://schemas.microsoft.com/office/drawing/2017/decorative" xmlns="" val="1"/>
+                <adec:decorative xmlns="" xmlns:adec="http://schemas.microsoft.com/office/drawing/2017/decorative" val="1"/>
               </a:ext>
             </a:extLst>
           </p:cNvPr>
@@ -13498,7 +13498,7 @@
                 <a16:creationId xmlns:a16="http://schemas.microsoft.com/office/drawing/2014/main" id="{E9BD473E-6203-491C-87AC-54AC0AB23333}"/>
               </a:ext>
               <a:ext uri="{C183D7F6-B498-43B3-948B-1728B52AA6E4}">
-                <adec:decorative xmlns:adec="http://schemas.microsoft.com/office/drawing/2017/decorative" xmlns="" val="1"/>
+                <adec:decorative xmlns="" xmlns:adec="http://schemas.microsoft.com/office/drawing/2017/decorative" val="1"/>
               </a:ext>
             </a:extLst>
           </p:cNvPr>
@@ -14346,7 +14346,7 @@
                 <a16:creationId xmlns:a16="http://schemas.microsoft.com/office/drawing/2014/main" id="{9298DCF7-7DC1-4618-8133-F63847B0AFE2}"/>
               </a:ext>
               <a:ext uri="{C183D7F6-B498-43B3-948B-1728B52AA6E4}">
-                <adec:decorative xmlns:adec="http://schemas.microsoft.com/office/drawing/2017/decorative" xmlns="" val="1"/>
+                <adec:decorative xmlns="" xmlns:adec="http://schemas.microsoft.com/office/drawing/2017/decorative" val="1"/>
               </a:ext>
             </a:extLst>
           </p:cNvPr>
@@ -14392,7 +14392,7 @@
                 <a16:creationId xmlns:a16="http://schemas.microsoft.com/office/drawing/2014/main" id="{653A6567-233D-4A3B-B52B-DE7E5E35A175}"/>
               </a:ext>
               <a:ext uri="{C183D7F6-B498-43B3-948B-1728B52AA6E4}">
-                <adec:decorative xmlns:adec="http://schemas.microsoft.com/office/drawing/2017/decorative" xmlns="" val="1"/>
+                <adec:decorative xmlns="" xmlns:adec="http://schemas.microsoft.com/office/drawing/2017/decorative" val="1"/>
               </a:ext>
             </a:extLst>
           </p:cNvPr>
@@ -15092,7 +15092,7 @@
                 <a16:creationId xmlns:a16="http://schemas.microsoft.com/office/drawing/2014/main" id="{6D8D9106-8780-461D-9091-E074B0A3C956}"/>
               </a:ext>
               <a:ext uri="{C183D7F6-B498-43B3-948B-1728B52AA6E4}">
-                <adec:decorative xmlns:adec="http://schemas.microsoft.com/office/drawing/2017/decorative" xmlns="" val="1"/>
+                <adec:decorative xmlns="" xmlns:adec="http://schemas.microsoft.com/office/drawing/2017/decorative" val="1"/>
               </a:ext>
             </a:extLst>
           </p:cNvPr>
@@ -15105,7 +15105,7 @@
           <a:blip r:embed="rId2">
             <a:extLst>
               <a:ext uri="{96DAC541-7B7A-43D3-8B79-37D633B846F1}">
-                <asvg:svgBlip xmlns:asvg="http://schemas.microsoft.com/office/drawing/2016/SVG/main" xmlns="" r:embed="rId3"/>
+                <asvg:svgBlip xmlns="" xmlns:asvg="http://schemas.microsoft.com/office/drawing/2016/SVG/main" r:embed="rId3"/>
               </a:ext>
             </a:extLst>
           </a:blip>
@@ -15666,7 +15666,7 @@
           <a:blip r:embed="rId2">
             <a:extLst>
               <a:ext uri="{96DAC541-7B7A-43D3-8B79-37D633B846F1}">
-                <asvg:svgBlip xmlns:asvg="http://schemas.microsoft.com/office/drawing/2016/SVG/main" xmlns="" r:embed="rId3"/>
+                <asvg:svgBlip xmlns="" xmlns:asvg="http://schemas.microsoft.com/office/drawing/2016/SVG/main" r:embed="rId3"/>
               </a:ext>
             </a:extLst>
           </a:blip>
@@ -15732,7 +15732,7 @@
           <a:blip r:embed="rId2">
             <a:extLst>
               <a:ext uri="{96DAC541-7B7A-43D3-8B79-37D633B846F1}">
-                <asvg:svgBlip xmlns:asvg="http://schemas.microsoft.com/office/drawing/2016/SVG/main" xmlns="" r:embed="rId3"/>
+                <asvg:svgBlip xmlns="" xmlns:asvg="http://schemas.microsoft.com/office/drawing/2016/SVG/main" r:embed="rId3"/>
               </a:ext>
             </a:extLst>
           </a:blip>
@@ -16801,7 +16801,7 @@
                 <a16:creationId xmlns:a16="http://schemas.microsoft.com/office/drawing/2014/main" id="{463D7850-C2A6-43CE-BBE4-8E81A0A593BF}"/>
               </a:ext>
               <a:ext uri="{C183D7F6-B498-43B3-948B-1728B52AA6E4}">
-                <adec:decorative xmlns:adec="http://schemas.microsoft.com/office/drawing/2017/decorative" xmlns="" val="1"/>
+                <adec:decorative xmlns="" xmlns:adec="http://schemas.microsoft.com/office/drawing/2017/decorative" val="1"/>
               </a:ext>
             </a:extLst>
           </p:cNvPr>
@@ -16847,7 +16847,7 @@
                 <a16:creationId xmlns:a16="http://schemas.microsoft.com/office/drawing/2014/main" id="{EBAD3E03-2E3B-440C-9105-6F9D33006D66}"/>
               </a:ext>
               <a:ext uri="{C183D7F6-B498-43B3-948B-1728B52AA6E4}">
-                <adec:decorative xmlns:adec="http://schemas.microsoft.com/office/drawing/2017/decorative" xmlns="" val="1"/>
+                <adec:decorative xmlns="" xmlns:adec="http://schemas.microsoft.com/office/drawing/2017/decorative" val="1"/>
               </a:ext>
             </a:extLst>
           </p:cNvPr>
@@ -30084,48 +30084,6 @@
       </p:grpSpPr>
       <p:sp>
         <p:nvSpPr>
-          <p:cNvPr id="2" name="제목 1">
-            <a:extLst>
-              <a:ext uri="{FF2B5EF4-FFF2-40B4-BE49-F238E27FC236}">
-                <a16:creationId xmlns:a16="http://schemas.microsoft.com/office/drawing/2014/main" id="{517AD450-474D-B69F-FB21-9F54A4F30060}"/>
-              </a:ext>
-            </a:extLst>
-          </p:cNvPr>
-          <p:cNvSpPr>
-            <a:spLocks noGrp="1"/>
-          </p:cNvSpPr>
-          <p:nvPr>
-            <p:ph type="title"/>
-          </p:nvPr>
-        </p:nvSpPr>
-        <p:spPr>
-          <a:xfrm>
-            <a:off x="933061" y="4156405"/>
-            <a:ext cx="3715139" cy="1325563"/>
-          </a:xfrm>
-        </p:spPr>
-        <p:txBody>
-          <a:bodyPr/>
-          <a:lstStyle/>
-          <a:p>
-            <a:r>
-              <a:rPr lang="en-US" altLang="ko-KR" dirty="0"/>
-              <a:t>4. </a:t>
-            </a:r>
-            <a:r>
-              <a:rPr lang="ko-KR" altLang="en-US" dirty="0"/>
-              <a:t>작업내역</a:t>
-            </a:r>
-            <a:r>
-              <a:rPr lang="en-US" altLang="ko-KR" sz="2000" dirty="0"/>
-              <a:t>(ERD)</a:t>
-            </a:r>
-            <a:endParaRPr lang="ko-KR" altLang="en-US" sz="2000" dirty="0"/>
-          </a:p>
-        </p:txBody>
-      </p:sp>
-      <p:sp>
-        <p:nvSpPr>
           <p:cNvPr id="13" name="슬라이드 번호 개체 틀 12">
             <a:extLst>
               <a:ext uri="{FF2B5EF4-FFF2-40B4-BE49-F238E27FC236}">
@@ -30154,6 +30112,70 @@
               <a:latin typeface="맑은 고딕" panose="020B0503020000020004" pitchFamily="50" charset="-127"/>
               <a:ea typeface="맑은 고딕" panose="020B0503020000020004" pitchFamily="50" charset="-127"/>
             </a:endParaRPr>
+          </a:p>
+        </p:txBody>
+      </p:sp>
+      <p:pic>
+        <p:nvPicPr>
+          <p:cNvPr id="4" name="그림 3"/>
+          <p:cNvPicPr/>
+          <p:nvPr/>
+        </p:nvPicPr>
+        <p:blipFill>
+          <a:blip r:embed="rId2"/>
+          <a:stretch>
+            <a:fillRect/>
+          </a:stretch>
+        </p:blipFill>
+        <p:spPr>
+          <a:xfrm>
+            <a:off x="3335996" y="356816"/>
+            <a:ext cx="6377347" cy="5379750"/>
+          </a:xfrm>
+          <a:prstGeom prst="rect">
+            <a:avLst/>
+          </a:prstGeom>
+        </p:spPr>
+      </p:pic>
+      <p:sp>
+        <p:nvSpPr>
+          <p:cNvPr id="2" name="제목 1">
+            <a:extLst>
+              <a:ext uri="{FF2B5EF4-FFF2-40B4-BE49-F238E27FC236}">
+                <a16:creationId xmlns:a16="http://schemas.microsoft.com/office/drawing/2014/main" id="{517AD450-474D-B69F-FB21-9F54A4F30060}"/>
+              </a:ext>
+            </a:extLst>
+          </p:cNvPr>
+          <p:cNvSpPr>
+            <a:spLocks noGrp="1"/>
+          </p:cNvSpPr>
+          <p:nvPr>
+            <p:ph type="title"/>
+          </p:nvPr>
+        </p:nvSpPr>
+        <p:spPr>
+          <a:xfrm>
+            <a:off x="657015" y="5870484"/>
+            <a:ext cx="3715139" cy="608043"/>
+          </a:xfrm>
+        </p:spPr>
+        <p:txBody>
+          <a:bodyPr/>
+          <a:lstStyle/>
+          <a:p>
+            <a:r>
+              <a:rPr lang="en-US" altLang="ko-KR" dirty="0"/>
+              <a:t>4. </a:t>
+            </a:r>
+            <a:r>
+              <a:rPr lang="ko-KR" altLang="en-US" dirty="0"/>
+              <a:t>작업내역</a:t>
+            </a:r>
+            <a:r>
+              <a:rPr lang="en-US" altLang="ko-KR" sz="2000" dirty="0"/>
+              <a:t>(ERD)</a:t>
+            </a:r>
+            <a:endParaRPr lang="ko-KR" altLang="en-US" sz="2000" dirty="0"/>
           </a:p>
         </p:txBody>
       </p:sp>
@@ -35219,7 +35241,7 @@
                 <a16:creationId xmlns:a16="http://schemas.microsoft.com/office/drawing/2014/main" id="{6719F29B-F233-48AF-8261-F33A4E079E3E}"/>
               </a:ext>
               <a:ext uri="{C183D7F6-B498-43B3-948B-1728B52AA6E4}">
-                <adec:decorative xmlns:adec="http://schemas.microsoft.com/office/drawing/2017/decorative" xmlns="" val="0"/>
+                <adec:decorative xmlns="" xmlns:adec="http://schemas.microsoft.com/office/drawing/2017/decorative" val="0"/>
               </a:ext>
             </a:extLst>
           </p:cNvPr>
@@ -35256,7 +35278,7 @@
                 <a16:creationId xmlns:a16="http://schemas.microsoft.com/office/drawing/2014/main" id="{35E3EA69-4E0E-41BD-8095-A124225A2647}"/>
               </a:ext>
               <a:ext uri="{C183D7F6-B498-43B3-948B-1728B52AA6E4}">
-                <adec:decorative xmlns:adec="http://schemas.microsoft.com/office/drawing/2017/decorative" xmlns="" val="0"/>
+                <adec:decorative xmlns="" xmlns:adec="http://schemas.microsoft.com/office/drawing/2017/decorative" val="0"/>
               </a:ext>
             </a:extLst>
           </p:cNvPr>
@@ -39055,15 +39077,6 @@
 </file>
 
 <file path=customXml/item1.xml><?xml version="1.0" encoding="utf-8"?>
-<?mso-contentType ?>
-<FormTemplates xmlns="http://schemas.microsoft.com/sharepoint/v3/contenttype/forms">
-  <Display>DocumentLibraryForm</Display>
-  <Edit>DocumentLibraryForm</Edit>
-  <New>DocumentLibraryForm</New>
-</FormTemplates>
-</file>
-
-<file path=customXml/item2.xml><?xml version="1.0" encoding="utf-8"?>
 <p:properties xmlns:p="http://schemas.microsoft.com/office/2006/metadata/properties" xmlns:xsi="http://www.w3.org/2001/XMLSchema-instance" xmlns:pc="http://schemas.microsoft.com/office/infopath/2007/PartnerControls">
   <documentManagement>
     <_ip_UnifiedCompliancePolicyUIAction xmlns="http://schemas.microsoft.com/sharepoint/v3" xsi:nil="true"/>
@@ -39080,6 +39093,15 @@
     <MediaServiceKeyPoints xmlns="71af3243-3dd4-4a8d-8c0d-dd76da1f02a5" xsi:nil="true"/>
   </documentManagement>
 </p:properties>
+</file>
+
+<file path=customXml/item2.xml><?xml version="1.0" encoding="utf-8"?>
+<?mso-contentType ?>
+<FormTemplates xmlns="http://schemas.microsoft.com/sharepoint/v3/contenttype/forms">
+  <Display>DocumentLibraryForm</Display>
+  <Edit>DocumentLibraryForm</Edit>
+  <New>DocumentLibraryForm</New>
+</FormTemplates>
 </file>
 
 <file path=customXml/item3.xml><?xml version="1.0" encoding="utf-8"?>
@@ -39359,14 +39381,6 @@
 </file>
 
 <file path=customXml/itemProps1.xml><?xml version="1.0" encoding="utf-8"?>
-<ds:datastoreItem xmlns:ds="http://schemas.openxmlformats.org/officeDocument/2006/customXml" ds:itemID="{2D446390-8521-40A2-A462-EA068123BED9}">
-  <ds:schemaRefs>
-    <ds:schemaRef ds:uri="http://schemas.microsoft.com/sharepoint/v3/contenttype/forms"/>
-  </ds:schemaRefs>
-</ds:datastoreItem>
-</file>
-
-<file path=customXml/itemProps2.xml><?xml version="1.0" encoding="utf-8"?>
 <ds:datastoreItem xmlns:ds="http://schemas.openxmlformats.org/officeDocument/2006/customXml" ds:itemID="{B5BA3906-9696-4247-AC0D-DD5C26B2A70A}">
   <ds:schemaRefs>
     <ds:schemaRef ds:uri="http://schemas.microsoft.com/office/2006/metadata/properties"/>
@@ -39374,6 +39388,14 @@
     <ds:schemaRef ds:uri="http://schemas.microsoft.com/sharepoint/v3"/>
     <ds:schemaRef ds:uri="71af3243-3dd4-4a8d-8c0d-dd76da1f02a5"/>
     <ds:schemaRef ds:uri="230e9df3-be65-4c73-a93b-d1236ebd677e"/>
+  </ds:schemaRefs>
+</ds:datastoreItem>
+</file>
+
+<file path=customXml/itemProps2.xml><?xml version="1.0" encoding="utf-8"?>
+<ds:datastoreItem xmlns:ds="http://schemas.openxmlformats.org/officeDocument/2006/customXml" ds:itemID="{2D446390-8521-40A2-A462-EA068123BED9}">
+  <ds:schemaRefs>
+    <ds:schemaRef ds:uri="http://schemas.microsoft.com/sharepoint/v3/contenttype/forms"/>
   </ds:schemaRefs>
 </ds:datastoreItem>
 </file>
